--- a/jiffy_poll_image.pptx
+++ b/jiffy_poll_image.pptx
@@ -288,7 +288,8 @@
           <a:p>
             <a:fld id="{7DEB6E6D-BABF-D443-8506-A31CD4BF2C0C}" type="datetimeFigureOut">
               <a:rPr lang="en-US" smtClean="0"/>
-              <a:t>2/6/14</a:t>
+              <a:pPr/>
+              <a:t>2/18/14</a:t>
             </a:fld>
             <a:endParaRPr lang="en-US"/>
           </a:p>
@@ -330,6 +331,7 @@
           <a:p>
             <a:fld id="{1F848C43-D61D-1C43-A563-111C40DFDBCC}" type="slidenum">
               <a:rPr lang="en-US" smtClean="0"/>
+              <a:pPr/>
               <a:t>‹#›</a:t>
             </a:fld>
             <a:endParaRPr lang="en-US"/>
@@ -453,7 +455,8 @@
           <a:p>
             <a:fld id="{7DEB6E6D-BABF-D443-8506-A31CD4BF2C0C}" type="datetimeFigureOut">
               <a:rPr lang="en-US" smtClean="0"/>
-              <a:t>2/6/14</a:t>
+              <a:pPr/>
+              <a:t>2/18/14</a:t>
             </a:fld>
             <a:endParaRPr lang="en-US"/>
           </a:p>
@@ -495,6 +498,7 @@
           <a:p>
             <a:fld id="{1F848C43-D61D-1C43-A563-111C40DFDBCC}" type="slidenum">
               <a:rPr lang="en-US" smtClean="0"/>
+              <a:pPr/>
               <a:t>‹#›</a:t>
             </a:fld>
             <a:endParaRPr lang="en-US"/>
@@ -628,7 +632,8 @@
           <a:p>
             <a:fld id="{7DEB6E6D-BABF-D443-8506-A31CD4BF2C0C}" type="datetimeFigureOut">
               <a:rPr lang="en-US" smtClean="0"/>
-              <a:t>2/6/14</a:t>
+              <a:pPr/>
+              <a:t>2/18/14</a:t>
             </a:fld>
             <a:endParaRPr lang="en-US"/>
           </a:p>
@@ -670,6 +675,7 @@
           <a:p>
             <a:fld id="{1F848C43-D61D-1C43-A563-111C40DFDBCC}" type="slidenum">
               <a:rPr lang="en-US" smtClean="0"/>
+              <a:pPr/>
               <a:t>‹#›</a:t>
             </a:fld>
             <a:endParaRPr lang="en-US"/>
@@ -793,7 +799,8 @@
           <a:p>
             <a:fld id="{7DEB6E6D-BABF-D443-8506-A31CD4BF2C0C}" type="datetimeFigureOut">
               <a:rPr lang="en-US" smtClean="0"/>
-              <a:t>2/6/14</a:t>
+              <a:pPr/>
+              <a:t>2/18/14</a:t>
             </a:fld>
             <a:endParaRPr lang="en-US"/>
           </a:p>
@@ -835,6 +842,7 @@
           <a:p>
             <a:fld id="{1F848C43-D61D-1C43-A563-111C40DFDBCC}" type="slidenum">
               <a:rPr lang="en-US" smtClean="0"/>
+              <a:pPr/>
               <a:t>‹#›</a:t>
             </a:fld>
             <a:endParaRPr lang="en-US"/>
@@ -1034,7 +1042,8 @@
           <a:p>
             <a:fld id="{7DEB6E6D-BABF-D443-8506-A31CD4BF2C0C}" type="datetimeFigureOut">
               <a:rPr lang="en-US" smtClean="0"/>
-              <a:t>2/6/14</a:t>
+              <a:pPr/>
+              <a:t>2/18/14</a:t>
             </a:fld>
             <a:endParaRPr lang="en-US"/>
           </a:p>
@@ -1076,6 +1085,7 @@
           <a:p>
             <a:fld id="{1F848C43-D61D-1C43-A563-111C40DFDBCC}" type="slidenum">
               <a:rPr lang="en-US" smtClean="0"/>
+              <a:pPr/>
               <a:t>‹#›</a:t>
             </a:fld>
             <a:endParaRPr lang="en-US"/>
@@ -1317,7 +1327,8 @@
           <a:p>
             <a:fld id="{7DEB6E6D-BABF-D443-8506-A31CD4BF2C0C}" type="datetimeFigureOut">
               <a:rPr lang="en-US" smtClean="0"/>
-              <a:t>2/6/14</a:t>
+              <a:pPr/>
+              <a:t>2/18/14</a:t>
             </a:fld>
             <a:endParaRPr lang="en-US"/>
           </a:p>
@@ -1359,6 +1370,7 @@
           <a:p>
             <a:fld id="{1F848C43-D61D-1C43-A563-111C40DFDBCC}" type="slidenum">
               <a:rPr lang="en-US" smtClean="0"/>
+              <a:pPr/>
               <a:t>‹#›</a:t>
             </a:fld>
             <a:endParaRPr lang="en-US"/>
@@ -1734,7 +1746,8 @@
           <a:p>
             <a:fld id="{7DEB6E6D-BABF-D443-8506-A31CD4BF2C0C}" type="datetimeFigureOut">
               <a:rPr lang="en-US" smtClean="0"/>
-              <a:t>2/6/14</a:t>
+              <a:pPr/>
+              <a:t>2/18/14</a:t>
             </a:fld>
             <a:endParaRPr lang="en-US"/>
           </a:p>
@@ -1776,6 +1789,7 @@
           <a:p>
             <a:fld id="{1F848C43-D61D-1C43-A563-111C40DFDBCC}" type="slidenum">
               <a:rPr lang="en-US" smtClean="0"/>
+              <a:pPr/>
               <a:t>‹#›</a:t>
             </a:fld>
             <a:endParaRPr lang="en-US"/>
@@ -1847,7 +1861,8 @@
           <a:p>
             <a:fld id="{7DEB6E6D-BABF-D443-8506-A31CD4BF2C0C}" type="datetimeFigureOut">
               <a:rPr lang="en-US" smtClean="0"/>
-              <a:t>2/6/14</a:t>
+              <a:pPr/>
+              <a:t>2/18/14</a:t>
             </a:fld>
             <a:endParaRPr lang="en-US"/>
           </a:p>
@@ -1889,6 +1904,7 @@
           <a:p>
             <a:fld id="{1F848C43-D61D-1C43-A563-111C40DFDBCC}" type="slidenum">
               <a:rPr lang="en-US" smtClean="0"/>
+              <a:pPr/>
               <a:t>‹#›</a:t>
             </a:fld>
             <a:endParaRPr lang="en-US"/>
@@ -1937,7 +1953,8 @@
           <a:p>
             <a:fld id="{7DEB6E6D-BABF-D443-8506-A31CD4BF2C0C}" type="datetimeFigureOut">
               <a:rPr lang="en-US" smtClean="0"/>
-              <a:t>2/6/14</a:t>
+              <a:pPr/>
+              <a:t>2/18/14</a:t>
             </a:fld>
             <a:endParaRPr lang="en-US"/>
           </a:p>
@@ -1979,6 +1996,7 @@
           <a:p>
             <a:fld id="{1F848C43-D61D-1C43-A563-111C40DFDBCC}" type="slidenum">
               <a:rPr lang="en-US" smtClean="0"/>
+              <a:pPr/>
               <a:t>‹#›</a:t>
             </a:fld>
             <a:endParaRPr lang="en-US"/>
@@ -2209,7 +2227,8 @@
           <a:p>
             <a:fld id="{7DEB6E6D-BABF-D443-8506-A31CD4BF2C0C}" type="datetimeFigureOut">
               <a:rPr lang="en-US" smtClean="0"/>
-              <a:t>2/6/14</a:t>
+              <a:pPr/>
+              <a:t>2/18/14</a:t>
             </a:fld>
             <a:endParaRPr lang="en-US"/>
           </a:p>
@@ -2251,6 +2270,7 @@
           <a:p>
             <a:fld id="{1F848C43-D61D-1C43-A563-111C40DFDBCC}" type="slidenum">
               <a:rPr lang="en-US" smtClean="0"/>
+              <a:pPr/>
               <a:t>‹#›</a:t>
             </a:fld>
             <a:endParaRPr lang="en-US"/>
@@ -2457,7 +2477,8 @@
           <a:p>
             <a:fld id="{7DEB6E6D-BABF-D443-8506-A31CD4BF2C0C}" type="datetimeFigureOut">
               <a:rPr lang="en-US" smtClean="0"/>
-              <a:t>2/6/14</a:t>
+              <a:pPr/>
+              <a:t>2/18/14</a:t>
             </a:fld>
             <a:endParaRPr lang="en-US"/>
           </a:p>
@@ -2499,6 +2520,7 @@
           <a:p>
             <a:fld id="{1F848C43-D61D-1C43-A563-111C40DFDBCC}" type="slidenum">
               <a:rPr lang="en-US" smtClean="0"/>
+              <a:pPr/>
               <a:t>‹#›</a:t>
             </a:fld>
             <a:endParaRPr lang="en-US"/>
@@ -2665,7 +2687,8 @@
           <a:p>
             <a:fld id="{7DEB6E6D-BABF-D443-8506-A31CD4BF2C0C}" type="datetimeFigureOut">
               <a:rPr lang="en-US" smtClean="0"/>
-              <a:t>2/6/14</a:t>
+              <a:pPr/>
+              <a:t>2/18/14</a:t>
             </a:fld>
             <a:endParaRPr lang="en-US"/>
           </a:p>
@@ -2743,6 +2766,7 @@
           <a:p>
             <a:fld id="{1F848C43-D61D-1C43-A563-111C40DFDBCC}" type="slidenum">
               <a:rPr lang="en-US" smtClean="0"/>
+              <a:pPr/>
               <a:t>‹#›</a:t>
             </a:fld>
             <a:endParaRPr lang="en-US"/>
@@ -3184,6 +3208,382 @@
           <a:p>
             <a:pPr algn="ctr"/>
             <a:endParaRPr lang="en-US"/>
+          </a:p>
+        </p:txBody>
+      </p:sp>
+      <p:sp>
+        <p:nvSpPr>
+          <p:cNvPr id="7" name="Rectangle 6"/>
+          <p:cNvSpPr/>
+          <p:nvPr/>
+        </p:nvSpPr>
+        <p:spPr>
+          <a:xfrm>
+            <a:off x="1210778" y="1467225"/>
+            <a:ext cx="3110314" cy="3051244"/>
+          </a:xfrm>
+          <a:prstGeom prst="rect">
+            <a:avLst/>
+          </a:prstGeom>
+          <a:noFill/>
+          <a:ln>
+            <a:solidFill>
+              <a:schemeClr val="accent2">
+                <a:lumMod val="50000"/>
+              </a:schemeClr>
+            </a:solidFill>
+          </a:ln>
+        </p:spPr>
+        <p:style>
+          <a:lnRef idx="1">
+            <a:schemeClr val="accent1"/>
+          </a:lnRef>
+          <a:fillRef idx="3">
+            <a:schemeClr val="accent1"/>
+          </a:fillRef>
+          <a:effectRef idx="2">
+            <a:schemeClr val="accent1"/>
+          </a:effectRef>
+          <a:fontRef idx="minor">
+            <a:schemeClr val="lt1"/>
+          </a:fontRef>
+        </p:style>
+        <p:txBody>
+          <a:bodyPr rtlCol="0" anchor="ctr"/>
+          <a:lstStyle/>
+          <a:p>
+            <a:pPr algn="ctr"/>
+            <a:endParaRPr lang="en-US"/>
+          </a:p>
+        </p:txBody>
+      </p:sp>
+      <p:sp>
+        <p:nvSpPr>
+          <p:cNvPr id="17" name="Circular Arrow 16"/>
+          <p:cNvSpPr/>
+          <p:nvPr/>
+        </p:nvSpPr>
+        <p:spPr>
+          <a:xfrm rot="6153651">
+            <a:off x="279284" y="4719209"/>
+            <a:ext cx="832103" cy="1394228"/>
+          </a:xfrm>
+          <a:prstGeom prst="circularArrow">
+            <a:avLst/>
+          </a:prstGeom>
+        </p:spPr>
+        <p:style>
+          <a:lnRef idx="1">
+            <a:schemeClr val="accent1"/>
+          </a:lnRef>
+          <a:fillRef idx="3">
+            <a:schemeClr val="accent1"/>
+          </a:fillRef>
+          <a:effectRef idx="2">
+            <a:schemeClr val="accent1"/>
+          </a:effectRef>
+          <a:fontRef idx="minor">
+            <a:schemeClr val="lt1"/>
+          </a:fontRef>
+        </p:style>
+        <p:txBody>
+          <a:bodyPr rtlCol="0" anchor="ctr"/>
+          <a:lstStyle/>
+          <a:p>
+            <a:pPr algn="ctr"/>
+            <a:endParaRPr lang="en-US">
+              <a:solidFill>
+                <a:schemeClr val="tx1"/>
+              </a:solidFill>
+            </a:endParaRPr>
+          </a:p>
+        </p:txBody>
+      </p:sp>
+      <p:sp>
+        <p:nvSpPr>
+          <p:cNvPr id="16" name="Rectangle 15"/>
+          <p:cNvSpPr/>
+          <p:nvPr/>
+        </p:nvSpPr>
+        <p:spPr>
+          <a:xfrm>
+            <a:off x="8530873" y="5114090"/>
+            <a:ext cx="613127" cy="87596"/>
+          </a:xfrm>
+          <a:prstGeom prst="rect">
+            <a:avLst/>
+          </a:prstGeom>
+          <a:solidFill>
+            <a:schemeClr val="bg1"/>
+          </a:solidFill>
+          <a:ln>
+            <a:noFill/>
+          </a:ln>
+          <a:effectLst/>
+          <a:scene3d>
+            <a:camera prst="orthographicFront">
+              <a:rot lat="0" lon="10800000" rev="0"/>
+            </a:camera>
+            <a:lightRig rig="threePt" dir="t"/>
+          </a:scene3d>
+        </p:spPr>
+        <p:style>
+          <a:lnRef idx="1">
+            <a:schemeClr val="accent1"/>
+          </a:lnRef>
+          <a:fillRef idx="3">
+            <a:schemeClr val="accent1"/>
+          </a:fillRef>
+          <a:effectRef idx="2">
+            <a:schemeClr val="accent1"/>
+          </a:effectRef>
+          <a:fontRef idx="minor">
+            <a:schemeClr val="lt1"/>
+          </a:fontRef>
+        </p:style>
+        <p:txBody>
+          <a:bodyPr rtlCol="0" anchor="ctr"/>
+          <a:lstStyle/>
+          <a:p>
+            <a:pPr algn="ctr"/>
+            <a:endParaRPr lang="en-US"/>
+          </a:p>
+        </p:txBody>
+      </p:sp>
+      <p:sp>
+        <p:nvSpPr>
+          <p:cNvPr id="18" name="Rectangle 17"/>
+          <p:cNvSpPr/>
+          <p:nvPr/>
+        </p:nvSpPr>
+        <p:spPr>
+          <a:xfrm rot="5400000">
+            <a:off x="8278136" y="3617708"/>
+            <a:ext cx="613127" cy="1868704"/>
+          </a:xfrm>
+          <a:prstGeom prst="rect">
+            <a:avLst/>
+          </a:prstGeom>
+          <a:solidFill>
+            <a:schemeClr val="bg1"/>
+          </a:solidFill>
+          <a:ln>
+            <a:noFill/>
+          </a:ln>
+          <a:effectLst>
+            <a:outerShdw blurRad="50800" dist="38100" dir="2700000" algn="tl" rotWithShape="0">
+              <a:srgbClr val="000000">
+                <a:alpha val="43000"/>
+              </a:srgbClr>
+            </a:outerShdw>
+          </a:effectLst>
+          <a:scene3d>
+            <a:camera prst="orthographicFront">
+              <a:rot lat="0" lon="10800000" rev="0"/>
+            </a:camera>
+            <a:lightRig rig="threePt" dir="t"/>
+          </a:scene3d>
+        </p:spPr>
+        <p:style>
+          <a:lnRef idx="1">
+            <a:schemeClr val="accent1"/>
+          </a:lnRef>
+          <a:fillRef idx="3">
+            <a:schemeClr val="accent1"/>
+          </a:fillRef>
+          <a:effectRef idx="2">
+            <a:schemeClr val="accent1"/>
+          </a:effectRef>
+          <a:fontRef idx="minor">
+            <a:schemeClr val="lt1"/>
+          </a:fontRef>
+        </p:style>
+        <p:txBody>
+          <a:bodyPr rtlCol="0" anchor="ctr"/>
+          <a:lstStyle/>
+          <a:p>
+            <a:pPr algn="ctr"/>
+            <a:endParaRPr lang="en-US"/>
+          </a:p>
+        </p:txBody>
+      </p:sp>
+      <p:sp>
+        <p:nvSpPr>
+          <p:cNvPr id="6" name="U-Turn Arrow 5"/>
+          <p:cNvSpPr/>
+          <p:nvPr/>
+        </p:nvSpPr>
+        <p:spPr>
+          <a:xfrm rot="10800000">
+            <a:off x="1466247" y="1686214"/>
+            <a:ext cx="1395016" cy="1868704"/>
+          </a:xfrm>
+          <a:prstGeom prst="uturnArrow">
+            <a:avLst>
+              <a:gd name="adj1" fmla="val 25000"/>
+              <a:gd name="adj2" fmla="val 25000"/>
+              <a:gd name="adj3" fmla="val 27532"/>
+              <a:gd name="adj4" fmla="val 43750"/>
+              <a:gd name="adj5" fmla="val 57031"/>
+            </a:avLst>
+          </a:prstGeom>
+          <a:solidFill>
+            <a:schemeClr val="accent1">
+              <a:lumMod val="75000"/>
+            </a:schemeClr>
+          </a:solidFill>
+        </p:spPr>
+        <p:style>
+          <a:lnRef idx="1">
+            <a:schemeClr val="accent1"/>
+          </a:lnRef>
+          <a:fillRef idx="3">
+            <a:schemeClr val="accent1"/>
+          </a:fillRef>
+          <a:effectRef idx="2">
+            <a:schemeClr val="accent1"/>
+          </a:effectRef>
+          <a:fontRef idx="minor">
+            <a:schemeClr val="lt1"/>
+          </a:fontRef>
+        </p:style>
+        <p:txBody>
+          <a:bodyPr rtlCol="0" anchor="ctr"/>
+          <a:lstStyle/>
+          <a:p>
+            <a:pPr algn="ctr"/>
+            <a:endParaRPr lang="en-US">
+              <a:solidFill>
+                <a:schemeClr val="tx1"/>
+              </a:solidFill>
+            </a:endParaRPr>
+          </a:p>
+        </p:txBody>
+      </p:sp>
+      <p:sp>
+        <p:nvSpPr>
+          <p:cNvPr id="29" name="U-Turn Arrow 28"/>
+          <p:cNvSpPr/>
+          <p:nvPr/>
+        </p:nvSpPr>
+        <p:spPr>
+          <a:xfrm>
+            <a:off x="2035593" y="1997218"/>
+            <a:ext cx="1424200" cy="1868704"/>
+          </a:xfrm>
+          <a:prstGeom prst="uturnArrow">
+            <a:avLst>
+              <a:gd name="adj1" fmla="val 25000"/>
+              <a:gd name="adj2" fmla="val 25000"/>
+              <a:gd name="adj3" fmla="val 25000"/>
+              <a:gd name="adj4" fmla="val 43750"/>
+              <a:gd name="adj5" fmla="val 58594"/>
+            </a:avLst>
+          </a:prstGeom>
+          <a:solidFill>
+            <a:schemeClr val="tx2">
+              <a:lumMod val="75000"/>
+            </a:schemeClr>
+          </a:solidFill>
+          <a:scene3d>
+            <a:camera prst="orthographicFront">
+              <a:rot lat="0" lon="10800000" rev="0"/>
+            </a:camera>
+            <a:lightRig rig="threePt" dir="t"/>
+          </a:scene3d>
+        </p:spPr>
+        <p:style>
+          <a:lnRef idx="1">
+            <a:schemeClr val="accent1"/>
+          </a:lnRef>
+          <a:fillRef idx="3">
+            <a:schemeClr val="accent1"/>
+          </a:fillRef>
+          <a:effectRef idx="2">
+            <a:schemeClr val="accent1"/>
+          </a:effectRef>
+          <a:fontRef idx="minor">
+            <a:schemeClr val="lt1"/>
+          </a:fontRef>
+        </p:style>
+        <p:txBody>
+          <a:bodyPr rtlCol="0" anchor="ctr"/>
+          <a:lstStyle/>
+          <a:p>
+            <a:pPr algn="ctr"/>
+            <a:endParaRPr lang="en-US">
+              <a:solidFill>
+                <a:schemeClr val="tx1"/>
+              </a:solidFill>
+            </a:endParaRPr>
+          </a:p>
+        </p:txBody>
+      </p:sp>
+      <p:sp>
+        <p:nvSpPr>
+          <p:cNvPr id="32" name="TextBox 31"/>
+          <p:cNvSpPr txBox="1"/>
+          <p:nvPr/>
+        </p:nvSpPr>
+        <p:spPr>
+          <a:xfrm>
+            <a:off x="2378640" y="4686193"/>
+            <a:ext cx="1547418" cy="1692771"/>
+          </a:xfrm>
+          <a:prstGeom prst="rect">
+            <a:avLst/>
+          </a:prstGeom>
+          <a:noFill/>
+          <a:ln w="28575" cap="rnd">
+            <a:solidFill>
+              <a:schemeClr val="accent2">
+                <a:lumMod val="50000"/>
+              </a:schemeClr>
+            </a:solidFill>
+            <a:bevel/>
+          </a:ln>
+        </p:spPr>
+        <p:txBody>
+          <a:bodyPr wrap="square" bIns="228600" rtlCol="0" anchor="ctr" anchorCtr="1">
+            <a:spAutoFit/>
+          </a:bodyPr>
+          <a:lstStyle/>
+          <a:p>
+            <a:pPr algn="ctr"/>
+            <a:r>
+              <a:rPr lang="en-US" sz="8000" b="1" dirty="0" smtClean="0">
+                <a:solidFill>
+                  <a:schemeClr val="accent1">
+                    <a:lumMod val="75000"/>
+                  </a:schemeClr>
+                </a:solidFill>
+                <a:latin typeface="Cooper Black"/>
+                <a:cs typeface="Cooper Black"/>
+              </a:rPr>
+              <a:t>j</a:t>
+            </a:r>
+            <a:r>
+              <a:rPr lang="en-US" sz="8000" b="1" dirty="0" smtClean="0">
+                <a:solidFill>
+                  <a:schemeClr val="accent1">
+                    <a:lumMod val="50000"/>
+                  </a:schemeClr>
+                </a:solidFill>
+                <a:latin typeface="Cooper Black"/>
+                <a:cs typeface="Cooper Black"/>
+              </a:rPr>
+              <a:t>q</a:t>
+            </a:r>
+          </a:p>
+          <a:p>
+            <a:pPr algn="ctr"/>
+            <a:endParaRPr lang="en-US" sz="1200" b="1" dirty="0">
+              <a:solidFill>
+                <a:schemeClr val="accent1">
+                  <a:lumMod val="50000"/>
+                </a:schemeClr>
+              </a:solidFill>
+            </a:endParaRPr>
           </a:p>
         </p:txBody>
       </p:sp>
